--- a/PCA/images/PCA_2PCs.pptx
+++ b/PCA/images/PCA_2PCs.pptx
@@ -6,6 +6,7 @@
   </p:sldMasterIdLst>
   <p:sldIdLst>
     <p:sldId id="258" r:id="rId2"/>
+    <p:sldId id="259" r:id="rId3"/>
   </p:sldIdLst>
   <p:sldSz cx="12192000" cy="6858000"/>
   <p:notesSz cx="6858000" cy="9144000"/>
@@ -104,6 +105,11 @@
       </a:defRPr>
     </a:lvl9pPr>
   </p:defaultTextStyle>
+  <p:extLst>
+    <p:ext uri="{EFAFB233-063F-42B5-8137-9DF3F51BA10A}">
+      <p15:sldGuideLst xmlns:p15="http://schemas.microsoft.com/office/powerpoint/2012/main"/>
+    </p:ext>
+  </p:extLst>
 </p:presentation>
 </file>
 
@@ -3722,6 +3728,276 @@
 </p:sld>
 </file>
 
+<file path=ppt/slides/slide2.xml><?xml version="1.0" encoding="utf-8"?>
+<p:sld xmlns:a="http://schemas.openxmlformats.org/drawingml/2006/main" xmlns:r="http://schemas.openxmlformats.org/officeDocument/2006/relationships" xmlns:p="http://schemas.openxmlformats.org/presentationml/2006/main">
+  <p:cSld>
+    <p:spTree>
+      <p:nvGrpSpPr>
+        <p:cNvPr id="1" name=""/>
+        <p:cNvGrpSpPr/>
+        <p:nvPr/>
+      </p:nvGrpSpPr>
+      <p:grpSpPr>
+        <a:xfrm>
+          <a:off x="0" y="0"/>
+          <a:ext cx="0" cy="0"/>
+          <a:chOff x="0" y="0"/>
+          <a:chExt cx="0" cy="0"/>
+        </a:xfrm>
+      </p:grpSpPr>
+      <p:grpSp>
+        <p:nvGrpSpPr>
+          <p:cNvPr id="8" name="Group 7">
+            <a:extLst>
+              <a:ext uri="{FF2B5EF4-FFF2-40B4-BE49-F238E27FC236}">
+                <a16:creationId xmlns:a16="http://schemas.microsoft.com/office/drawing/2014/main" id="{BC2CF531-4153-0646-A86F-69D485869143}"/>
+              </a:ext>
+            </a:extLst>
+          </p:cNvPr>
+          <p:cNvGrpSpPr/>
+          <p:nvPr/>
+        </p:nvGrpSpPr>
+        <p:grpSpPr>
+          <a:xfrm>
+            <a:off x="1509227" y="1498383"/>
+            <a:ext cx="8756332" cy="3857181"/>
+            <a:chOff x="1509227" y="1498383"/>
+            <a:chExt cx="8756332" cy="3857181"/>
+          </a:xfrm>
+        </p:grpSpPr>
+        <p:pic>
+          <p:nvPicPr>
+            <p:cNvPr id="2" name="Picture 1">
+              <a:extLst>
+                <a:ext uri="{FF2B5EF4-FFF2-40B4-BE49-F238E27FC236}">
+                  <a16:creationId xmlns:a16="http://schemas.microsoft.com/office/drawing/2014/main" id="{BDC6B728-D572-DF4A-BD36-8F9B05A8C0B3}"/>
+                </a:ext>
+              </a:extLst>
+            </p:cNvPr>
+            <p:cNvPicPr>
+              <a:picLocks noChangeAspect="1"/>
+            </p:cNvPicPr>
+            <p:nvPr/>
+          </p:nvPicPr>
+          <p:blipFill>
+            <a:blip r:embed="rId2"/>
+            <a:stretch>
+              <a:fillRect/>
+            </a:stretch>
+          </p:blipFill>
+          <p:spPr>
+            <a:xfrm>
+              <a:off x="1509227" y="1498383"/>
+              <a:ext cx="3866107" cy="3603173"/>
+            </a:xfrm>
+            <a:prstGeom prst="rect">
+              <a:avLst/>
+            </a:prstGeom>
+          </p:spPr>
+        </p:pic>
+        <p:pic>
+          <p:nvPicPr>
+            <p:cNvPr id="3" name="Picture 2">
+              <a:extLst>
+                <a:ext uri="{FF2B5EF4-FFF2-40B4-BE49-F238E27FC236}">
+                  <a16:creationId xmlns:a16="http://schemas.microsoft.com/office/drawing/2014/main" id="{96AA1F3A-877F-C445-8F53-B7371ACBF745}"/>
+                </a:ext>
+              </a:extLst>
+            </p:cNvPr>
+            <p:cNvPicPr>
+              <a:picLocks noChangeAspect="1"/>
+            </p:cNvPicPr>
+            <p:nvPr/>
+          </p:nvPicPr>
+          <p:blipFill>
+            <a:blip r:embed="rId3"/>
+            <a:stretch>
+              <a:fillRect/>
+            </a:stretch>
+          </p:blipFill>
+          <p:spPr>
+            <a:xfrm>
+              <a:off x="6891279" y="1687102"/>
+              <a:ext cx="3374280" cy="3385641"/>
+            </a:xfrm>
+            <a:prstGeom prst="rect">
+              <a:avLst/>
+            </a:prstGeom>
+          </p:spPr>
+        </p:pic>
+        <p:sp>
+          <p:nvSpPr>
+            <p:cNvPr id="4" name="Right Arrow 3">
+              <a:extLst>
+                <a:ext uri="{FF2B5EF4-FFF2-40B4-BE49-F238E27FC236}">
+                  <a16:creationId xmlns:a16="http://schemas.microsoft.com/office/drawing/2014/main" id="{262A226A-170B-9B46-B7C2-18487EBFCFB1}"/>
+                </a:ext>
+              </a:extLst>
+            </p:cNvPr>
+            <p:cNvSpPr/>
+            <p:nvPr/>
+          </p:nvSpPr>
+          <p:spPr>
+            <a:xfrm>
+              <a:off x="5655128" y="3131543"/>
+              <a:ext cx="881743" cy="336855"/>
+            </a:xfrm>
+            <a:prstGeom prst="rightArrow">
+              <a:avLst/>
+            </a:prstGeom>
+          </p:spPr>
+          <p:style>
+            <a:lnRef idx="2">
+              <a:schemeClr val="accent1">
+                <a:shade val="50000"/>
+              </a:schemeClr>
+            </a:lnRef>
+            <a:fillRef idx="1">
+              <a:schemeClr val="accent1"/>
+            </a:fillRef>
+            <a:effectRef idx="0">
+              <a:schemeClr val="accent1"/>
+            </a:effectRef>
+            <a:fontRef idx="minor">
+              <a:schemeClr val="lt1"/>
+            </a:fontRef>
+          </p:style>
+          <p:txBody>
+            <a:bodyPr rtlCol="0" anchor="ctr"/>
+            <a:lstStyle/>
+            <a:p>
+              <a:pPr algn="ctr"/>
+              <a:endParaRPr lang="en-US"/>
+            </a:p>
+          </p:txBody>
+        </p:sp>
+        <p:sp>
+          <p:nvSpPr>
+            <p:cNvPr id="5" name="TextBox 4">
+              <a:extLst>
+                <a:ext uri="{FF2B5EF4-FFF2-40B4-BE49-F238E27FC236}">
+                  <a16:creationId xmlns:a16="http://schemas.microsoft.com/office/drawing/2014/main" id="{205B2F8C-DE35-5444-BA12-425FB8186DB7}"/>
+                </a:ext>
+              </a:extLst>
+            </p:cNvPr>
+            <p:cNvSpPr txBox="1"/>
+            <p:nvPr/>
+          </p:nvSpPr>
+          <p:spPr>
+            <a:xfrm>
+              <a:off x="5520337" y="2747666"/>
+              <a:ext cx="1080937" cy="369332"/>
+            </a:xfrm>
+            <a:prstGeom prst="rect">
+              <a:avLst/>
+            </a:prstGeom>
+            <a:noFill/>
+          </p:spPr>
+          <p:txBody>
+            <a:bodyPr wrap="none" rtlCol="0">
+              <a:spAutoFit/>
+            </a:bodyPr>
+            <a:lstStyle/>
+            <a:p>
+              <a:r>
+                <a:rPr lang="en-US" dirty="0"/>
+                <a:t>Projected</a:t>
+              </a:r>
+            </a:p>
+          </p:txBody>
+        </p:sp>
+        <p:sp>
+          <p:nvSpPr>
+            <p:cNvPr id="6" name="TextBox 5">
+              <a:extLst>
+                <a:ext uri="{FF2B5EF4-FFF2-40B4-BE49-F238E27FC236}">
+                  <a16:creationId xmlns:a16="http://schemas.microsoft.com/office/drawing/2014/main" id="{29EAD5F9-C9C5-1C41-8364-B1D2535A46FD}"/>
+                </a:ext>
+              </a:extLst>
+            </p:cNvPr>
+            <p:cNvSpPr txBox="1"/>
+            <p:nvPr/>
+          </p:nvSpPr>
+          <p:spPr>
+            <a:xfrm>
+              <a:off x="9721820" y="4986232"/>
+              <a:ext cx="543739" cy="369332"/>
+            </a:xfrm>
+            <a:prstGeom prst="rect">
+              <a:avLst/>
+            </a:prstGeom>
+            <a:noFill/>
+          </p:spPr>
+          <p:txBody>
+            <a:bodyPr wrap="none" rtlCol="0">
+              <a:spAutoFit/>
+            </a:bodyPr>
+            <a:lstStyle/>
+            <a:p>
+              <a:r>
+                <a:rPr lang="en-US" dirty="0">
+                  <a:solidFill>
+                    <a:srgbClr val="FF0000"/>
+                  </a:solidFill>
+                </a:rPr>
+                <a:t>PC1</a:t>
+              </a:r>
+            </a:p>
+          </p:txBody>
+        </p:sp>
+        <p:sp>
+          <p:nvSpPr>
+            <p:cNvPr id="7" name="TextBox 6">
+              <a:extLst>
+                <a:ext uri="{FF2B5EF4-FFF2-40B4-BE49-F238E27FC236}">
+                  <a16:creationId xmlns:a16="http://schemas.microsoft.com/office/drawing/2014/main" id="{0B2242F8-1B94-174A-84A5-71736DFF9480}"/>
+                </a:ext>
+              </a:extLst>
+            </p:cNvPr>
+            <p:cNvSpPr txBox="1"/>
+            <p:nvPr/>
+          </p:nvSpPr>
+          <p:spPr>
+            <a:xfrm>
+              <a:off x="6536871" y="1739286"/>
+              <a:ext cx="543739" cy="369332"/>
+            </a:xfrm>
+            <a:prstGeom prst="rect">
+              <a:avLst/>
+            </a:prstGeom>
+            <a:noFill/>
+          </p:spPr>
+          <p:txBody>
+            <a:bodyPr wrap="none" rtlCol="0">
+              <a:spAutoFit/>
+            </a:bodyPr>
+            <a:lstStyle/>
+            <a:p>
+              <a:r>
+                <a:rPr lang="en-US" dirty="0">
+                  <a:solidFill>
+                    <a:srgbClr val="FF0000"/>
+                  </a:solidFill>
+                </a:rPr>
+                <a:t>PC2</a:t>
+              </a:r>
+            </a:p>
+          </p:txBody>
+        </p:sp>
+      </p:grpSp>
+    </p:spTree>
+    <p:extLst>
+      <p:ext uri="{BB962C8B-B14F-4D97-AF65-F5344CB8AC3E}">
+        <p14:creationId xmlns:p14="http://schemas.microsoft.com/office/powerpoint/2010/main" val="62015179"/>
+      </p:ext>
+    </p:extLst>
+  </p:cSld>
+  <p:clrMapOvr>
+    <a:masterClrMapping/>
+  </p:clrMapOvr>
+</p:sld>
+</file>
+
 <file path=ppt/theme/theme1.xml><?xml version="1.0" encoding="utf-8"?>
 <a:theme xmlns:a="http://schemas.openxmlformats.org/drawingml/2006/main" name="Office Theme">
   <a:themeElements>

--- a/PCA/images/PCA_2PCs.pptx
+++ b/PCA/images/PCA_2PCs.pptx
@@ -3759,10 +3759,10 @@
         </p:nvGrpSpPr>
         <p:grpSpPr>
           <a:xfrm>
-            <a:off x="1509227" y="1498383"/>
-            <a:ext cx="8756332" cy="3857181"/>
-            <a:chOff x="1509227" y="1498383"/>
-            <a:chExt cx="8756332" cy="3857181"/>
+            <a:off x="1656706" y="1498383"/>
+            <a:ext cx="8510879" cy="3857181"/>
+            <a:chOff x="1656706" y="1498383"/>
+            <a:chExt cx="8510879" cy="3857181"/>
           </a:xfrm>
         </p:grpSpPr>
         <p:pic>
@@ -3787,7 +3787,7 @@
           </p:blipFill>
           <p:spPr>
             <a:xfrm>
-              <a:off x="1509227" y="1498383"/>
+              <a:off x="1656706" y="1498383"/>
               <a:ext cx="3866107" cy="3603173"/>
             </a:xfrm>
             <a:prstGeom prst="rect">
@@ -3817,7 +3817,7 @@
           </p:blipFill>
           <p:spPr>
             <a:xfrm>
-              <a:off x="6891279" y="1687102"/>
+              <a:off x="6793305" y="1687102"/>
               <a:ext cx="3374280" cy="3385641"/>
             </a:xfrm>
             <a:prstGeom prst="rect">
@@ -3839,7 +3839,7 @@
           </p:nvSpPr>
           <p:spPr>
             <a:xfrm>
-              <a:off x="5655128" y="3131543"/>
+              <a:off x="5692706" y="3131543"/>
               <a:ext cx="881743" cy="336855"/>
             </a:xfrm>
             <a:prstGeom prst="rightArrow">
@@ -3885,7 +3885,7 @@
           </p:nvSpPr>
           <p:spPr>
             <a:xfrm>
-              <a:off x="5520337" y="2747666"/>
+              <a:off x="5557915" y="2747666"/>
               <a:ext cx="1080937" cy="369332"/>
             </a:xfrm>
             <a:prstGeom prst="rect">
@@ -3920,7 +3920,7 @@
           </p:nvSpPr>
           <p:spPr>
             <a:xfrm>
-              <a:off x="9721820" y="4986232"/>
+              <a:off x="9623846" y="4986232"/>
               <a:ext cx="543739" cy="369332"/>
             </a:xfrm>
             <a:prstGeom prst="rect">
@@ -3959,7 +3959,7 @@
           </p:nvSpPr>
           <p:spPr>
             <a:xfrm>
-              <a:off x="6536871" y="1739286"/>
+              <a:off x="6438897" y="1739286"/>
               <a:ext cx="543739" cy="369332"/>
             </a:xfrm>
             <a:prstGeom prst="rect">
